--- a/Session1/R/Session1_IntroR.pptx
+++ b/Session1/R/Session1_IntroR.pptx
@@ -2388,7 +2388,7 @@
           <a:lstStyle/>
           <a:p>
             <a:fld id="{48FEEA63-1157-AE4A-A159-6A792ABBE204}" type="datetimeFigureOut">
-              <a:t>3/3/2018</a:t>
+              <a:t>3/9/2018</a:t>
             </a:fld>
             <a:endParaRPr lang="en-US"/>
           </a:p>
@@ -5385,79 +5385,6 @@
       </p:sp>
       <p:pic>
         <p:nvPicPr>
-          <p:cNvPr id="58" name="Shape 58" descr="HELP UNI.png">
-            <a:hlinkClick r:id="rId4"/>
-          </p:cNvPr>
-          <p:cNvPicPr preferRelativeResize="0"/>
-          <p:nvPr/>
-        </p:nvPicPr>
-        <p:blipFill>
-          <a:blip r:embed="rId5">
-            <a:alphaModFix/>
-          </a:blip>
-          <a:stretch>
-            <a:fillRect/>
-          </a:stretch>
-        </p:blipFill>
-        <p:spPr>
-          <a:xfrm>
-            <a:off x="4731475" y="3876775"/>
-            <a:ext cx="844650" cy="844650"/>
-          </a:xfrm>
-          <a:prstGeom prst="rect">
-            <a:avLst/>
-          </a:prstGeom>
-          <a:noFill/>
-          <a:ln>
-            <a:noFill/>
-          </a:ln>
-        </p:spPr>
-      </p:pic>
-      <p:pic>
-        <p:nvPicPr>
-          <p:cNvPr id="1026" name="Picture 2" descr="No automatic alt text available.">
-            <a:hlinkClick r:id="rId6"/>
-          </p:cNvPr>
-          <p:cNvPicPr>
-            <a:picLocks noChangeAspect="1" noChangeArrowheads="1"/>
-          </p:cNvPicPr>
-          <p:nvPr/>
-        </p:nvPicPr>
-        <p:blipFill>
-          <a:blip r:embed="rId7">
-            <a:extLst>
-              <a:ext uri="{28A0092B-C50C-407E-A947-70E740481C1C}">
-                <a14:useLocalDpi xmlns:a14="http://schemas.microsoft.com/office/drawing/2010/main" val="0"/>
-              </a:ext>
-            </a:extLst>
-          </a:blip>
-          <a:srcRect/>
-          <a:stretch>
-            <a:fillRect/>
-          </a:stretch>
-        </p:blipFill>
-        <p:spPr bwMode="auto">
-          <a:xfrm>
-            <a:off x="3633787" y="3878462"/>
-            <a:ext cx="842963" cy="842963"/>
-          </a:xfrm>
-          <a:prstGeom prst="rect">
-            <a:avLst/>
-          </a:prstGeom>
-          <a:noFill/>
-          <a:extLst>
-            <a:ext uri="{909E8E84-426E-40DD-AFC4-6F175D3DCCD1}">
-              <a14:hiddenFill xmlns:a14="http://schemas.microsoft.com/office/drawing/2010/main">
-                <a:solidFill>
-                  <a:srgbClr val="FFFFFF"/>
-                </a:solidFill>
-              </a14:hiddenFill>
-            </a:ext>
-          </a:extLst>
-        </p:spPr>
-      </p:pic>
-      <p:pic>
-        <p:nvPicPr>
           <p:cNvPr id="6" name="Picture 5"/>
           <p:cNvPicPr>
             <a:picLocks noChangeAspect="1"/>
@@ -5465,7 +5392,7 @@
           <p:nvPr/>
         </p:nvPicPr>
         <p:blipFill>
-          <a:blip r:embed="rId8"/>
+          <a:blip r:embed="rId4"/>
           <a:stretch>
             <a:fillRect/>
           </a:stretch>
@@ -5523,7 +5450,7 @@
         </p:nvSpPr>
         <p:spPr>
           <a:xfrm>
-            <a:off x="2413590" y="3334466"/>
+            <a:off x="2413590" y="4083890"/>
             <a:ext cx="4999383" cy="577081"/>
           </a:xfrm>
           <a:prstGeom prst="rect">
